--- a/source/files/Hnat_Zakopal_TPR_prezentace_2.pptx
+++ b/source/files/Hnat_Zakopal_TPR_prezentace_2.pptx
@@ -15563,10 +15563,10 @@
       </p:sp>
       <p:pic>
         <p:nvPicPr>
-          <p:cNvPr id="15" name="Content Placeholder 14" descr="Text&#10;&#10;Description automatically generated">
+          <p:cNvPr id="14" name="Content Placeholder 13" descr="Shape&#10;&#10;Description automatically generated with low confidence">
             <a:extLst>
               <a:ext uri="{FF2B5EF4-FFF2-40B4-BE49-F238E27FC236}">
-                <a16:creationId xmlns:a16="http://schemas.microsoft.com/office/drawing/2014/main" id="{CC90659F-DAFD-3142-A733-EA5B1BBE0263}"/>
+                <a16:creationId xmlns:a16="http://schemas.microsoft.com/office/drawing/2014/main" id="{A9B73C93-E1F7-7548-A395-D670382EF868}"/>
               </a:ext>
             </a:extLst>
           </p:cNvPr>
@@ -15591,17 +15591,17 @@
         </p:blipFill>
         <p:spPr>
           <a:xfrm>
-            <a:off x="0" y="1276987"/>
-            <a:ext cx="3323304" cy="5329538"/>
+            <a:off x="25831" y="1509942"/>
+            <a:ext cx="3487923" cy="4972743"/>
           </a:xfrm>
         </p:spPr>
       </p:pic>
       <p:pic>
         <p:nvPicPr>
-          <p:cNvPr id="17" name="Picture 16" descr="Text&#10;&#10;Description automatically generated">
+          <p:cNvPr id="18" name="Picture 17" descr="Shape&#10;&#10;Description automatically generated with low confidence">
             <a:extLst>
               <a:ext uri="{FF2B5EF4-FFF2-40B4-BE49-F238E27FC236}">
-                <a16:creationId xmlns:a16="http://schemas.microsoft.com/office/drawing/2014/main" id="{12DC858C-FB5B-B243-B1FF-A086F04C652C}"/>
+                <a16:creationId xmlns:a16="http://schemas.microsoft.com/office/drawing/2014/main" id="{EC33C548-8445-D04D-AD00-C8401374ABE0}"/>
               </a:ext>
             </a:extLst>
           </p:cNvPr>
@@ -15624,8 +15624,8 @@
         </p:blipFill>
         <p:spPr>
           <a:xfrm>
-            <a:off x="3401962" y="1100053"/>
-            <a:ext cx="2774784" cy="5604131"/>
+            <a:off x="6283331" y="1509942"/>
+            <a:ext cx="2590668" cy="5142513"/>
           </a:xfrm>
           <a:prstGeom prst="rect">
             <a:avLst/>
@@ -15634,10 +15634,10 @@
       </p:pic>
       <p:pic>
         <p:nvPicPr>
-          <p:cNvPr id="19" name="Picture 18" descr="Text&#10;&#10;Description automatically generated">
+          <p:cNvPr id="21" name="Picture 20" descr="Shape&#10;&#10;Description automatically generated with low confidence">
             <a:extLst>
               <a:ext uri="{FF2B5EF4-FFF2-40B4-BE49-F238E27FC236}">
-                <a16:creationId xmlns:a16="http://schemas.microsoft.com/office/drawing/2014/main" id="{1542DAC9-3472-C544-8641-33E53922ABF2}"/>
+                <a16:creationId xmlns:a16="http://schemas.microsoft.com/office/drawing/2014/main" id="{5935D365-7E1C-2B43-8CF2-2E21EB22499A}"/>
               </a:ext>
             </a:extLst>
           </p:cNvPr>
@@ -15660,8 +15660,8 @@
         </p:blipFill>
         <p:spPr>
           <a:xfrm>
-            <a:off x="5991882" y="1100053"/>
-            <a:ext cx="2870595" cy="5524856"/>
+            <a:off x="3543467" y="1509941"/>
+            <a:ext cx="2739864" cy="5142513"/>
           </a:xfrm>
           <a:prstGeom prst="rect">
             <a:avLst/>

--- a/source/files/Hnat_Zakopal_TPR_prezentace_2.pptx
+++ b/source/files/Hnat_Zakopal_TPR_prezentace_2.pptx
@@ -2833,7 +2833,7 @@
           <p:nvPr>
             <p:extLst>
               <p:ext uri="{D42A27DB-BD31-4B8C-83A1-F6EECF244321}">
-                <p14:modId xmlns:p14="http://schemas.microsoft.com/office/powerpoint/2010/main" val="2008122993"/>
+                <p14:modId xmlns:p14="http://schemas.microsoft.com/office/powerpoint/2010/main" val="534561098"/>
               </p:ext>
             </p:extLst>
           </p:nvPr>
@@ -4818,21 +4818,16 @@
                     <a:p>
                       <a:pPr algn="ctr" fontAlgn="b"/>
                       <a:r>
-                        <a:rPr lang="en-GB" sz="800" u="none" strike="noStrike">
-                          <a:effectLst/>
-                          <a:latin typeface="Times New Roman" panose="02020603050405020304" pitchFamily="18" charset="0"/>
-                          <a:cs typeface="Times New Roman" panose="02020603050405020304" pitchFamily="18" charset="0"/>
-                        </a:rPr>
-                        <a:t>x</a:t>
-                      </a:r>
-                      <a:endParaRPr lang="en-GB" sz="800" b="0" i="0" u="none" strike="noStrike">
-                        <a:solidFill>
-                          <a:srgbClr val="000000"/>
-                        </a:solidFill>
-                        <a:effectLst/>
-                        <a:latin typeface="Times New Roman" panose="02020603050405020304" pitchFamily="18" charset="0"/>
-                        <a:cs typeface="Times New Roman" panose="02020603050405020304" pitchFamily="18" charset="0"/>
-                      </a:endParaRPr>
+                        <a:rPr lang="en-GB" sz="800" b="0" i="0" u="none" strike="noStrike" dirty="0">
+                          <a:solidFill>
+                            <a:srgbClr val="000000"/>
+                          </a:solidFill>
+                          <a:effectLst/>
+                          <a:latin typeface="Times New Roman" panose="02020603050405020304" pitchFamily="18" charset="0"/>
+                          <a:cs typeface="Times New Roman" panose="02020603050405020304" pitchFamily="18" charset="0"/>
+                        </a:rPr>
+                        <a:t>s</a:t>
+                      </a:r>
                     </a:p>
                   </a:txBody>
                   <a:tcPr marL="0" marR="0" marT="0" marB="0" anchor="ctr"/>
@@ -5215,7 +5210,7 @@
                     <a:p>
                       <a:pPr algn="ctr" fontAlgn="b"/>
                       <a:r>
-                        <a:rPr lang="en-GB" sz="800" b="0" i="0" u="none" strike="noStrike" dirty="0">
+                        <a:rPr lang="en-GB" sz="800" b="0" i="0" u="none" strike="noStrike">
                           <a:solidFill>
                             <a:srgbClr val="000000"/>
                           </a:solidFill>
@@ -5223,8 +5218,16 @@
                           <a:latin typeface="Times New Roman" panose="02020603050405020304" pitchFamily="18" charset="0"/>
                           <a:cs typeface="Times New Roman" panose="02020603050405020304" pitchFamily="18" charset="0"/>
                         </a:rPr>
-                        <a:t>p</a:t>
-                      </a:r>
+                        <a:t>po</a:t>
+                      </a:r>
+                      <a:endParaRPr lang="en-GB" sz="800" b="0" i="0" u="none" strike="noStrike" dirty="0">
+                        <a:solidFill>
+                          <a:srgbClr val="000000"/>
+                        </a:solidFill>
+                        <a:effectLst/>
+                        <a:latin typeface="Times New Roman" panose="02020603050405020304" pitchFamily="18" charset="0"/>
+                        <a:cs typeface="Times New Roman" panose="02020603050405020304" pitchFamily="18" charset="0"/>
+                      </a:endParaRPr>
                     </a:p>
                   </a:txBody>
                   <a:tcPr marL="0" marR="0" marT="0" marB="0" anchor="ctr"/>

--- a/source/files/Hnat_Zakopal_TPR_prezentace_2.pptx
+++ b/source/files/Hnat_Zakopal_TPR_prezentace_2.pptx
@@ -16014,7 +16014,7 @@
           <p:nvPr>
             <p:extLst>
               <p:ext uri="{D42A27DB-BD31-4B8C-83A1-F6EECF244321}">
-                <p14:modId xmlns:p14="http://schemas.microsoft.com/office/powerpoint/2010/main" val="582003976"/>
+                <p14:modId xmlns:p14="http://schemas.microsoft.com/office/powerpoint/2010/main" val="2853207117"/>
               </p:ext>
             </p:extLst>
           </p:nvPr>
@@ -22438,14 +22438,14 @@
                     <a:p>
                       <a:pPr algn="ctr" fontAlgn="b"/>
                       <a:r>
-                        <a:rPr lang="en-CZ" sz="700" u="none" strike="noStrike">
-                          <a:effectLst/>
-                          <a:latin typeface="Times New Roman" panose="02020603050405020304" pitchFamily="18" charset="0"/>
-                          <a:cs typeface="Times New Roman" panose="02020603050405020304" pitchFamily="18" charset="0"/>
-                        </a:rPr>
-                        <a:t>1</a:t>
-                      </a:r>
-                      <a:endParaRPr lang="en-CZ" sz="700" b="0" i="0" u="none" strike="noStrike">
+                        <a:rPr lang="en-CZ" sz="700" u="none" strike="noStrike" dirty="0">
+                          <a:effectLst/>
+                          <a:latin typeface="Times New Roman" panose="02020603050405020304" pitchFamily="18" charset="0"/>
+                          <a:cs typeface="Times New Roman" panose="02020603050405020304" pitchFamily="18" charset="0"/>
+                        </a:rPr>
+                        <a:t>5</a:t>
+                      </a:r>
+                      <a:endParaRPr lang="en-CZ" sz="700" b="0" i="0" u="none" strike="noStrike" dirty="0">
                         <a:solidFill>
                           <a:srgbClr val="000000"/>
                         </a:solidFill>
@@ -22506,7 +22506,7 @@
                           <a:latin typeface="Times New Roman" panose="02020603050405020304" pitchFamily="18" charset="0"/>
                           <a:cs typeface="Times New Roman" panose="02020603050405020304" pitchFamily="18" charset="0"/>
                         </a:rPr>
-                        <a:t>15</a:t>
+                        <a:t>75</a:t>
                       </a:r>
                       <a:endParaRPr lang="en-CZ" sz="700" b="0" i="0" u="none" strike="noStrike">
                         <a:solidFill>

--- a/source/files/Hnat_Zakopal_TPR_prezentace_2.pptx
+++ b/source/files/Hnat_Zakopal_TPR_prezentace_2.pptx
@@ -2833,14 +2833,14 @@
           <p:nvPr>
             <p:extLst>
               <p:ext uri="{D42A27DB-BD31-4B8C-83A1-F6EECF244321}">
-                <p14:modId xmlns:p14="http://schemas.microsoft.com/office/powerpoint/2010/main" val="534561098"/>
+                <p14:modId xmlns:p14="http://schemas.microsoft.com/office/powerpoint/2010/main" val="1358335622"/>
               </p:ext>
             </p:extLst>
           </p:nvPr>
         </p:nvGraphicFramePr>
         <p:xfrm>
-          <a:off x="0" y="142887"/>
-          <a:ext cx="9039225" cy="6565388"/>
+          <a:off x="0" y="0"/>
+          <a:ext cx="9144000" cy="6858004"/>
         </p:xfrm>
         <a:graphic>
           <a:graphicData uri="http://schemas.openxmlformats.org/drawingml/2006/table">
@@ -2849,112 +2849,112 @@
                 <a:tableStyleId>{5C22544A-7EE6-4342-B048-85BDC9FD1C3A}</a:tableStyleId>
               </a:tblPr>
               <a:tblGrid>
-                <a:gridCol w="1507104">
+                <a:gridCol w="1524573">
                   <a:extLst>
                     <a:ext uri="{9D8B030D-6E8A-4147-A177-3AD203B41FA5}">
                       <a16:colId xmlns:a16="http://schemas.microsoft.com/office/drawing/2014/main" val="1819684636"/>
                     </a:ext>
                   </a:extLst>
                 </a:gridCol>
-                <a:gridCol w="509265">
+                <a:gridCol w="515168">
                   <a:extLst>
                     <a:ext uri="{9D8B030D-6E8A-4147-A177-3AD203B41FA5}">
                       <a16:colId xmlns:a16="http://schemas.microsoft.com/office/drawing/2014/main" val="3944039914"/>
                     </a:ext>
                   </a:extLst>
                 </a:gridCol>
-                <a:gridCol w="432609">
+                <a:gridCol w="437623">
                   <a:extLst>
                     <a:ext uri="{9D8B030D-6E8A-4147-A177-3AD203B41FA5}">
                       <a16:colId xmlns:a16="http://schemas.microsoft.com/office/drawing/2014/main" val="943793619"/>
                     </a:ext>
                   </a:extLst>
                 </a:gridCol>
-                <a:gridCol w="510989">
+                <a:gridCol w="593827">
                   <a:extLst>
                     <a:ext uri="{9D8B030D-6E8A-4147-A177-3AD203B41FA5}">
                       <a16:colId xmlns:a16="http://schemas.microsoft.com/office/drawing/2014/main" val="1935454026"/>
                     </a:ext>
                   </a:extLst>
                 </a:gridCol>
-                <a:gridCol w="416279">
+                <a:gridCol w="487018">
                   <a:extLst>
                     <a:ext uri="{9D8B030D-6E8A-4147-A177-3AD203B41FA5}">
                       <a16:colId xmlns:a16="http://schemas.microsoft.com/office/drawing/2014/main" val="2053051937"/>
                     </a:ext>
                   </a:extLst>
                 </a:gridCol>
-                <a:gridCol w="422031">
+                <a:gridCol w="437321">
                   <a:extLst>
                     <a:ext uri="{9D8B030D-6E8A-4147-A177-3AD203B41FA5}">
                       <a16:colId xmlns:a16="http://schemas.microsoft.com/office/drawing/2014/main" val="1908961743"/>
                     </a:ext>
                   </a:extLst>
                 </a:gridCol>
-                <a:gridCol w="271072">
+                <a:gridCol w="228600">
                   <a:extLst>
                     <a:ext uri="{9D8B030D-6E8A-4147-A177-3AD203B41FA5}">
                       <a16:colId xmlns:a16="http://schemas.microsoft.com/office/drawing/2014/main" val="3037766656"/>
                     </a:ext>
                   </a:extLst>
                 </a:gridCol>
-                <a:gridCol w="268941">
+                <a:gridCol w="238540">
                   <a:extLst>
                     <a:ext uri="{9D8B030D-6E8A-4147-A177-3AD203B41FA5}">
                       <a16:colId xmlns:a16="http://schemas.microsoft.com/office/drawing/2014/main" val="870860361"/>
                     </a:ext>
                   </a:extLst>
                 </a:gridCol>
-                <a:gridCol w="268941">
+                <a:gridCol w="417443">
                   <a:extLst>
                     <a:ext uri="{9D8B030D-6E8A-4147-A177-3AD203B41FA5}">
                       <a16:colId xmlns:a16="http://schemas.microsoft.com/office/drawing/2014/main" val="1726717232"/>
                     </a:ext>
                   </a:extLst>
                 </a:gridCol>
-                <a:gridCol w="1048871">
+                <a:gridCol w="1043609">
                   <a:extLst>
                     <a:ext uri="{9D8B030D-6E8A-4147-A177-3AD203B41FA5}">
                       <a16:colId xmlns:a16="http://schemas.microsoft.com/office/drawing/2014/main" val="1963366533"/>
                     </a:ext>
                   </a:extLst>
                 </a:gridCol>
-                <a:gridCol w="568852">
+                <a:gridCol w="566530">
                   <a:extLst>
                     <a:ext uri="{9D8B030D-6E8A-4147-A177-3AD203B41FA5}">
                       <a16:colId xmlns:a16="http://schemas.microsoft.com/office/drawing/2014/main" val="2220866759"/>
                     </a:ext>
                   </a:extLst>
                 </a:gridCol>
-                <a:gridCol w="580441">
+                <a:gridCol w="394025">
                   <a:extLst>
                     <a:ext uri="{9D8B030D-6E8A-4147-A177-3AD203B41FA5}">
                       <a16:colId xmlns:a16="http://schemas.microsoft.com/office/drawing/2014/main" val="1544067331"/>
                     </a:ext>
                   </a:extLst>
                 </a:gridCol>
-                <a:gridCol w="662205">
+                <a:gridCol w="669881">
                   <a:extLst>
                     <a:ext uri="{9D8B030D-6E8A-4147-A177-3AD203B41FA5}">
                       <a16:colId xmlns:a16="http://schemas.microsoft.com/office/drawing/2014/main" val="2324257669"/>
                     </a:ext>
                   </a:extLst>
                 </a:gridCol>
-                <a:gridCol w="449144">
+                <a:gridCol w="454350">
                   <a:extLst>
                     <a:ext uri="{9D8B030D-6E8A-4147-A177-3AD203B41FA5}">
                       <a16:colId xmlns:a16="http://schemas.microsoft.com/office/drawing/2014/main" val="4085928720"/>
                     </a:ext>
                   </a:extLst>
                 </a:gridCol>
-                <a:gridCol w="421602">
+                <a:gridCol w="426489">
                   <a:extLst>
                     <a:ext uri="{9D8B030D-6E8A-4147-A177-3AD203B41FA5}">
                       <a16:colId xmlns:a16="http://schemas.microsoft.com/office/drawing/2014/main" val="4052058586"/>
                     </a:ext>
                   </a:extLst>
                 </a:gridCol>
-                <a:gridCol w="700879">
+                <a:gridCol w="709003">
                   <a:extLst>
                     <a:ext uri="{9D8B030D-6E8A-4147-A177-3AD203B41FA5}">
                       <a16:colId xmlns:a16="http://schemas.microsoft.com/office/drawing/2014/main" val="245669069"/>
@@ -2962,22 +2962,22 @@
                   </a:extLst>
                 </a:gridCol>
               </a:tblGrid>
-              <a:tr h="905368">
-                <a:tc>
-                  <a:txBody>
-                    <a:bodyPr/>
-                    <a:lstStyle/>
-                    <a:p>
-                      <a:pPr algn="ctr" fontAlgn="b"/>
-                      <a:r>
-                        <a:rPr lang="en-CZ" sz="800" u="none" strike="noStrike">
+              <a:tr h="945720">
+                <a:tc>
+                  <a:txBody>
+                    <a:bodyPr/>
+                    <a:lstStyle/>
+                    <a:p>
+                      <a:pPr algn="ctr" fontAlgn="b"/>
+                      <a:r>
+                        <a:rPr lang="en-CZ" sz="800" u="none" strike="noStrike" dirty="0">
                           <a:effectLst/>
                           <a:latin typeface="Times New Roman" panose="02020603050405020304" pitchFamily="18" charset="0"/>
                           <a:cs typeface="Times New Roman" panose="02020603050405020304" pitchFamily="18" charset="0"/>
                         </a:rPr>
                         <a:t> </a:t>
                       </a:r>
-                      <a:endParaRPr lang="en-CZ" sz="800" b="0" i="0" u="none" strike="noStrike">
+                      <a:endParaRPr lang="en-CZ" sz="800" b="0" i="0" u="none" strike="noStrike" dirty="0">
                         <a:solidFill>
                           <a:srgbClr val="000000"/>
                         </a:solidFill>
@@ -3096,12 +3096,54 @@
                     <a:p>
                       <a:pPr algn="ctr" fontAlgn="ctr"/>
                       <a:r>
+                        <a:rPr lang="en-GB" sz="800" u="none" strike="noStrike" dirty="0" err="1">
+                          <a:effectLst/>
+                          <a:latin typeface="Times New Roman" panose="02020603050405020304" pitchFamily="18" charset="0"/>
+                          <a:cs typeface="Times New Roman" panose="02020603050405020304" pitchFamily="18" charset="0"/>
+                        </a:rPr>
+                        <a:t>automatizační</a:t>
+                      </a:r>
+                      <a:r>
+                        <a:rPr lang="en-GB" sz="800" u="none" strike="noStrike" dirty="0">
+                          <a:effectLst/>
+                          <a:latin typeface="Times New Roman" panose="02020603050405020304" pitchFamily="18" charset="0"/>
+                          <a:cs typeface="Times New Roman" panose="02020603050405020304" pitchFamily="18" charset="0"/>
+                        </a:rPr>
+                        <a:t> </a:t>
+                      </a:r>
+                      <a:r>
+                        <a:rPr lang="en-GB" sz="800" u="none" strike="noStrike" dirty="0" err="1">
+                          <a:effectLst/>
+                          <a:latin typeface="Times New Roman" panose="02020603050405020304" pitchFamily="18" charset="0"/>
+                          <a:cs typeface="Times New Roman" panose="02020603050405020304" pitchFamily="18" charset="0"/>
+                        </a:rPr>
+                        <a:t>technik</a:t>
+                      </a:r>
+                      <a:endParaRPr lang="en-GB" sz="800" b="0" i="0" u="none" strike="noStrike" dirty="0">
+                        <a:solidFill>
+                          <a:srgbClr val="000000"/>
+                        </a:solidFill>
+                        <a:effectLst/>
+                        <a:latin typeface="Times New Roman" panose="02020603050405020304" pitchFamily="18" charset="0"/>
+                        <a:cs typeface="Times New Roman" panose="02020603050405020304" pitchFamily="18" charset="0"/>
+                      </a:endParaRPr>
+                    </a:p>
+                  </a:txBody>
+                  <a:tcPr marL="0" marR="0" marT="0" marB="0" anchor="ctr"/>
+                </a:tc>
+                <a:tc>
+                  <a:txBody>
+                    <a:bodyPr/>
+                    <a:lstStyle/>
+                    <a:p>
+                      <a:pPr algn="ctr" fontAlgn="ctr"/>
+                      <a:r>
                         <a:rPr lang="en-GB" sz="800" u="none" strike="noStrike">
                           <a:effectLst/>
                           <a:latin typeface="Times New Roman" panose="02020603050405020304" pitchFamily="18" charset="0"/>
                           <a:cs typeface="Times New Roman" panose="02020603050405020304" pitchFamily="18" charset="0"/>
                         </a:rPr>
-                        <a:t>automatizační technik</a:t>
+                        <a:t>software developer</a:t>
                       </a:r>
                       <a:endParaRPr lang="en-GB" sz="800" b="0" i="0" u="none" strike="noStrike">
                         <a:solidFill>
@@ -3127,7 +3169,7 @@
                           <a:latin typeface="Times New Roman" panose="02020603050405020304" pitchFamily="18" charset="0"/>
                           <a:cs typeface="Times New Roman" panose="02020603050405020304" pitchFamily="18" charset="0"/>
                         </a:rPr>
-                        <a:t>software developer</a:t>
+                        <a:t>řidící pracovník na pracovišti</a:t>
                       </a:r>
                       <a:endParaRPr lang="en-GB" sz="800" b="0" i="0" u="none" strike="noStrike">
                         <a:solidFill>
@@ -3153,7 +3195,7 @@
                           <a:latin typeface="Times New Roman" panose="02020603050405020304" pitchFamily="18" charset="0"/>
                           <a:cs typeface="Times New Roman" panose="02020603050405020304" pitchFamily="18" charset="0"/>
                         </a:rPr>
-                        <a:t>řidící pracovník na pracovišti</a:t>
+                        <a:t>tým 1</a:t>
                       </a:r>
                       <a:endParaRPr lang="en-GB" sz="800" b="0" i="0" u="none" strike="noStrike">
                         <a:solidFill>
@@ -3179,7 +3221,7 @@
                           <a:latin typeface="Times New Roman" panose="02020603050405020304" pitchFamily="18" charset="0"/>
                           <a:cs typeface="Times New Roman" panose="02020603050405020304" pitchFamily="18" charset="0"/>
                         </a:rPr>
-                        <a:t>tým 1</a:t>
+                        <a:t>tým 2</a:t>
                       </a:r>
                       <a:endParaRPr lang="en-GB" sz="800" b="0" i="0" u="none" strike="noStrike">
                         <a:solidFill>
@@ -3200,14 +3242,22 @@
                     <a:p>
                       <a:pPr algn="ctr" fontAlgn="ctr"/>
                       <a:r>
-                        <a:rPr lang="en-GB" sz="800" u="none" strike="noStrike">
-                          <a:effectLst/>
-                          <a:latin typeface="Times New Roman" panose="02020603050405020304" pitchFamily="18" charset="0"/>
-                          <a:cs typeface="Times New Roman" panose="02020603050405020304" pitchFamily="18" charset="0"/>
-                        </a:rPr>
-                        <a:t>tým 2</a:t>
-                      </a:r>
-                      <a:endParaRPr lang="en-GB" sz="800" b="0" i="0" u="none" strike="noStrike">
+                        <a:rPr lang="en-GB" sz="800" u="none" strike="noStrike" dirty="0" err="1">
+                          <a:effectLst/>
+                          <a:latin typeface="Times New Roman" panose="02020603050405020304" pitchFamily="18" charset="0"/>
+                          <a:cs typeface="Times New Roman" panose="02020603050405020304" pitchFamily="18" charset="0"/>
+                        </a:rPr>
+                        <a:t>tým</a:t>
+                      </a:r>
+                      <a:r>
+                        <a:rPr lang="en-GB" sz="800" u="none" strike="noStrike" dirty="0">
+                          <a:effectLst/>
+                          <a:latin typeface="Times New Roman" panose="02020603050405020304" pitchFamily="18" charset="0"/>
+                          <a:cs typeface="Times New Roman" panose="02020603050405020304" pitchFamily="18" charset="0"/>
+                        </a:rPr>
+                        <a:t> 3</a:t>
+                      </a:r>
+                      <a:endParaRPr lang="en-GB" sz="800" b="0" i="0" u="none" strike="noStrike" dirty="0">
                         <a:solidFill>
                           <a:srgbClr val="000000"/>
                         </a:solidFill>
@@ -3231,7 +3281,7 @@
                           <a:latin typeface="Times New Roman" panose="02020603050405020304" pitchFamily="18" charset="0"/>
                           <a:cs typeface="Times New Roman" panose="02020603050405020304" pitchFamily="18" charset="0"/>
                         </a:rPr>
-                        <a:t>tým</a:t>
+                        <a:t>kontaktní</a:t>
                       </a:r>
                       <a:r>
                         <a:rPr lang="en-GB" sz="800" u="none" strike="noStrike" dirty="0">
@@ -3239,7 +3289,31 @@
                           <a:latin typeface="Times New Roman" panose="02020603050405020304" pitchFamily="18" charset="0"/>
                           <a:cs typeface="Times New Roman" panose="02020603050405020304" pitchFamily="18" charset="0"/>
                         </a:rPr>
-                        <a:t> 3</a:t>
+                        <a:t> </a:t>
+                      </a:r>
+                      <a:r>
+                        <a:rPr lang="en-GB" sz="800" u="none" strike="noStrike" dirty="0" err="1">
+                          <a:effectLst/>
+                          <a:latin typeface="Times New Roman" panose="02020603050405020304" pitchFamily="18" charset="0"/>
+                          <a:cs typeface="Times New Roman" panose="02020603050405020304" pitchFamily="18" charset="0"/>
+                        </a:rPr>
+                        <a:t>osoba</a:t>
+                      </a:r>
+                      <a:r>
+                        <a:rPr lang="en-GB" sz="800" u="none" strike="noStrike" dirty="0">
+                          <a:effectLst/>
+                          <a:latin typeface="Times New Roman" panose="02020603050405020304" pitchFamily="18" charset="0"/>
+                          <a:cs typeface="Times New Roman" panose="02020603050405020304" pitchFamily="18" charset="0"/>
+                        </a:rPr>
+                        <a:t> </a:t>
+                      </a:r>
+                      <a:r>
+                        <a:rPr lang="en-GB" sz="800" u="none" strike="noStrike" dirty="0" err="1">
+                          <a:effectLst/>
+                          <a:latin typeface="Times New Roman" panose="02020603050405020304" pitchFamily="18" charset="0"/>
+                          <a:cs typeface="Times New Roman" panose="02020603050405020304" pitchFamily="18" charset="0"/>
+                        </a:rPr>
+                        <a:t>projektu</a:t>
                       </a:r>
                       <a:endParaRPr lang="en-GB" sz="800" b="0" i="0" u="none" strike="noStrike" dirty="0">
                         <a:solidFill>
@@ -3265,7 +3339,7 @@
                           <a:latin typeface="Times New Roman" panose="02020603050405020304" pitchFamily="18" charset="0"/>
                           <a:cs typeface="Times New Roman" panose="02020603050405020304" pitchFamily="18" charset="0"/>
                         </a:rPr>
-                        <a:t>kontaktní</a:t>
+                        <a:t>právní</a:t>
                       </a:r>
                       <a:r>
                         <a:rPr lang="en-GB" sz="800" u="none" strike="noStrike" dirty="0">
@@ -3281,51 +3355,9 @@
                           <a:latin typeface="Times New Roman" panose="02020603050405020304" pitchFamily="18" charset="0"/>
                           <a:cs typeface="Times New Roman" panose="02020603050405020304" pitchFamily="18" charset="0"/>
                         </a:rPr>
-                        <a:t>osoba</a:t>
-                      </a:r>
-                      <a:r>
-                        <a:rPr lang="en-GB" sz="800" u="none" strike="noStrike" dirty="0">
-                          <a:effectLst/>
-                          <a:latin typeface="Times New Roman" panose="02020603050405020304" pitchFamily="18" charset="0"/>
-                          <a:cs typeface="Times New Roman" panose="02020603050405020304" pitchFamily="18" charset="0"/>
-                        </a:rPr>
-                        <a:t> </a:t>
-                      </a:r>
-                      <a:r>
-                        <a:rPr lang="en-GB" sz="800" u="none" strike="noStrike" dirty="0" err="1">
-                          <a:effectLst/>
-                          <a:latin typeface="Times New Roman" panose="02020603050405020304" pitchFamily="18" charset="0"/>
-                          <a:cs typeface="Times New Roman" panose="02020603050405020304" pitchFamily="18" charset="0"/>
-                        </a:rPr>
-                        <a:t>projektu</a:t>
+                        <a:t>zařizovatel</a:t>
                       </a:r>
                       <a:endParaRPr lang="en-GB" sz="800" b="0" i="0" u="none" strike="noStrike" dirty="0">
-                        <a:solidFill>
-                          <a:srgbClr val="000000"/>
-                        </a:solidFill>
-                        <a:effectLst/>
-                        <a:latin typeface="Times New Roman" panose="02020603050405020304" pitchFamily="18" charset="0"/>
-                        <a:cs typeface="Times New Roman" panose="02020603050405020304" pitchFamily="18" charset="0"/>
-                      </a:endParaRPr>
-                    </a:p>
-                  </a:txBody>
-                  <a:tcPr marL="0" marR="0" marT="0" marB="0" anchor="ctr"/>
-                </a:tc>
-                <a:tc>
-                  <a:txBody>
-                    <a:bodyPr/>
-                    <a:lstStyle/>
-                    <a:p>
-                      <a:pPr algn="ctr" fontAlgn="ctr"/>
-                      <a:r>
-                        <a:rPr lang="en-GB" sz="800" u="none" strike="noStrike">
-                          <a:effectLst/>
-                          <a:latin typeface="Times New Roman" panose="02020603050405020304" pitchFamily="18" charset="0"/>
-                          <a:cs typeface="Times New Roman" panose="02020603050405020304" pitchFamily="18" charset="0"/>
-                        </a:rPr>
-                        <a:t>právní zařizovatel</a:t>
-                      </a:r>
-                      <a:endParaRPr lang="en-GB" sz="800" b="0" i="0" u="none" strike="noStrike">
                         <a:solidFill>
                           <a:srgbClr val="000000"/>
                         </a:solidFill>
@@ -3473,7 +3505,7 @@
                   </a:ext>
                 </a:extLst>
               </a:tr>
-              <a:tr h="209941">
+              <a:tr h="219298">
                 <a:tc>
                   <a:txBody>
                     <a:bodyPr/>
@@ -3912,7 +3944,7 @@
                   </a:ext>
                 </a:extLst>
               </a:tr>
-              <a:tr h="209941">
+              <a:tr h="219298">
                 <a:tc>
                   <a:txBody>
                     <a:bodyPr/>
@@ -4310,14 +4342,14 @@
                     <a:p>
                       <a:pPr algn="ctr" fontAlgn="b"/>
                       <a:r>
-                        <a:rPr lang="en-CZ" sz="800" u="none" strike="noStrike">
+                        <a:rPr lang="en-CZ" sz="800" u="none" strike="noStrike" dirty="0">
                           <a:effectLst/>
                           <a:latin typeface="Times New Roman" panose="02020603050405020304" pitchFamily="18" charset="0"/>
                           <a:cs typeface="Times New Roman" panose="02020603050405020304" pitchFamily="18" charset="0"/>
                         </a:rPr>
                         <a:t> </a:t>
                       </a:r>
-                      <a:endParaRPr lang="en-CZ" sz="800" b="0" i="0" u="none" strike="noStrike">
+                      <a:endParaRPr lang="en-CZ" sz="800" b="0" i="0" u="none" strike="noStrike" dirty="0">
                         <a:solidFill>
                           <a:srgbClr val="000000"/>
                         </a:solidFill>
@@ -4335,7 +4367,7 @@
                   </a:ext>
                 </a:extLst>
               </a:tr>
-              <a:tr h="209941">
+              <a:tr h="219298">
                 <a:tc>
                   <a:txBody>
                     <a:bodyPr/>
@@ -4758,7 +4790,7 @@
                   </a:ext>
                 </a:extLst>
               </a:tr>
-              <a:tr h="209941">
+              <a:tr h="219298">
                 <a:tc>
                   <a:txBody>
                     <a:bodyPr/>
@@ -5176,7 +5208,7 @@
                   </a:ext>
                 </a:extLst>
               </a:tr>
-              <a:tr h="209941">
+              <a:tr h="219298">
                 <a:tc>
                   <a:txBody>
                     <a:bodyPr/>
@@ -5602,7 +5634,7 @@
                   </a:ext>
                 </a:extLst>
               </a:tr>
-              <a:tr h="347106">
+              <a:tr h="362576">
                 <a:tc>
                   <a:txBody>
                     <a:bodyPr/>
@@ -6025,7 +6057,7 @@
                   </a:ext>
                 </a:extLst>
               </a:tr>
-              <a:tr h="209941">
+              <a:tr h="219298">
                 <a:tc>
                   <a:txBody>
                     <a:bodyPr/>
@@ -6448,7 +6480,7 @@
                   </a:ext>
                 </a:extLst>
               </a:tr>
-              <a:tr h="209941">
+              <a:tr h="219298">
                 <a:tc>
                   <a:txBody>
                     <a:bodyPr/>
@@ -6871,7 +6903,7 @@
                   </a:ext>
                 </a:extLst>
               </a:tr>
-              <a:tr h="209941">
+              <a:tr h="219298">
                 <a:tc>
                   <a:txBody>
                     <a:bodyPr/>
@@ -7294,7 +7326,7 @@
                   </a:ext>
                 </a:extLst>
               </a:tr>
-              <a:tr h="209941">
+              <a:tr h="219298">
                 <a:tc>
                   <a:txBody>
                     <a:bodyPr/>
@@ -7717,7 +7749,7 @@
                   </a:ext>
                 </a:extLst>
               </a:tr>
-              <a:tr h="209941">
+              <a:tr h="219298">
                 <a:tc>
                   <a:txBody>
                     <a:bodyPr/>
@@ -8140,7 +8172,7 @@
                   </a:ext>
                 </a:extLst>
               </a:tr>
-              <a:tr h="209941">
+              <a:tr h="219298">
                 <a:tc>
                   <a:txBody>
                     <a:bodyPr/>
@@ -8563,7 +8595,7 @@
                   </a:ext>
                 </a:extLst>
               </a:tr>
-              <a:tr h="209941">
+              <a:tr h="219298">
                 <a:tc>
                   <a:txBody>
                     <a:bodyPr/>
@@ -8986,7 +9018,7 @@
                   </a:ext>
                 </a:extLst>
               </a:tr>
-              <a:tr h="209941">
+              <a:tr h="219298">
                 <a:tc>
                   <a:txBody>
                     <a:bodyPr/>
@@ -9409,7 +9441,7 @@
                   </a:ext>
                 </a:extLst>
               </a:tr>
-              <a:tr h="209941">
+              <a:tr h="219298">
                 <a:tc>
                   <a:txBody>
                     <a:bodyPr/>
@@ -9832,7 +9864,7 @@
                   </a:ext>
                 </a:extLst>
               </a:tr>
-              <a:tr h="209941">
+              <a:tr h="219298">
                 <a:tc>
                   <a:txBody>
                     <a:bodyPr/>
@@ -10255,7 +10287,7 @@
                   </a:ext>
                 </a:extLst>
               </a:tr>
-              <a:tr h="347106">
+              <a:tr h="362576">
                 <a:tc>
                   <a:txBody>
                     <a:bodyPr/>
@@ -10678,7 +10710,7 @@
                   </a:ext>
                 </a:extLst>
               </a:tr>
-              <a:tr h="209941">
+              <a:tr h="219298">
                 <a:tc>
                   <a:txBody>
                     <a:bodyPr/>
@@ -11101,7 +11133,7 @@
                   </a:ext>
                 </a:extLst>
               </a:tr>
-              <a:tr h="209941">
+              <a:tr h="219298">
                 <a:tc>
                   <a:txBody>
                     <a:bodyPr/>
@@ -11524,7 +11556,7 @@
                   </a:ext>
                 </a:extLst>
               </a:tr>
-              <a:tr h="209941">
+              <a:tr h="219298">
                 <a:tc>
                   <a:txBody>
                     <a:bodyPr/>
@@ -11947,7 +11979,7 @@
                   </a:ext>
                 </a:extLst>
               </a:tr>
-              <a:tr h="209941">
+              <a:tr h="219298">
                 <a:tc>
                   <a:txBody>
                     <a:bodyPr/>
@@ -12370,7 +12402,7 @@
                   </a:ext>
                 </a:extLst>
               </a:tr>
-              <a:tr h="347106">
+              <a:tr h="362576">
                 <a:tc>
                   <a:txBody>
                     <a:bodyPr/>
@@ -12793,7 +12825,7 @@
                   </a:ext>
                 </a:extLst>
               </a:tr>
-              <a:tr h="209941">
+              <a:tr h="219298">
                 <a:tc>
                   <a:txBody>
                     <a:bodyPr/>
@@ -13216,7 +13248,7 @@
                   </a:ext>
                 </a:extLst>
               </a:tr>
-              <a:tr h="209941">
+              <a:tr h="219298">
                 <a:tc>
                   <a:txBody>
                     <a:bodyPr/>
@@ -13639,7 +13671,7 @@
                   </a:ext>
                 </a:extLst>
               </a:tr>
-              <a:tr h="209941">
+              <a:tr h="219298">
                 <a:tc>
                   <a:txBody>
                     <a:bodyPr/>
@@ -15452,7 +15484,7 @@
           <a:bodyPr/>
           <a:lstStyle/>
           <a:p>
-            <a:endParaRPr lang="en-CZ"/>
+            <a:endParaRPr lang="en-CZ" dirty="0"/>
           </a:p>
         </p:txBody>
       </p:sp>
@@ -15627,7 +15659,7 @@
         </p:blipFill>
         <p:spPr>
           <a:xfrm>
-            <a:off x="6283331" y="1509942"/>
+            <a:off x="3344789" y="1509942"/>
             <a:ext cx="2590668" cy="5142513"/>
           </a:xfrm>
           <a:prstGeom prst="rect">
@@ -15663,7 +15695,7 @@
         </p:blipFill>
         <p:spPr>
           <a:xfrm>
-            <a:off x="3543467" y="1509941"/>
+            <a:off x="5935457" y="1509941"/>
             <a:ext cx="2739864" cy="5142513"/>
           </a:xfrm>
           <a:prstGeom prst="rect">
@@ -15903,10 +15935,215 @@
       </p:grpSpPr>
       <p:sp>
         <p:nvSpPr>
-          <p:cNvPr id="2" name="Title 1">
+          <p:cNvPr id="3" name="Content Placeholder 2">
             <a:extLst>
               <a:ext uri="{FF2B5EF4-FFF2-40B4-BE49-F238E27FC236}">
-                <a16:creationId xmlns:a16="http://schemas.microsoft.com/office/drawing/2014/main" id="{399A1FA2-444D-9248-A2E7-0F1E6210A6FC}"/>
+                <a16:creationId xmlns:a16="http://schemas.microsoft.com/office/drawing/2014/main" id="{734EC01D-53E0-FF4C-A1C4-C6A8B6BE5F4D}"/>
+              </a:ext>
+            </a:extLst>
+          </p:cNvPr>
+          <p:cNvSpPr txBox="1">
+            <a:spLocks/>
+          </p:cNvSpPr>
+          <p:nvPr/>
+        </p:nvSpPr>
+        <p:spPr>
+          <a:xfrm>
+            <a:off x="0" y="2881241"/>
+            <a:ext cx="9143999" cy="1481070"/>
+          </a:xfrm>
+          <a:prstGeom prst="rect">
+            <a:avLst/>
+          </a:prstGeom>
+        </p:spPr>
+        <p:txBody>
+          <a:bodyPr vert="horz" lIns="91440" tIns="45720" rIns="91440" bIns="45720" rtlCol="0">
+            <a:normAutofit/>
+          </a:bodyPr>
+          <a:lstStyle>
+            <a:lvl1pPr marL="0" indent="0" algn="l" defTabSz="914354" rtl="0" eaLnBrk="1" latinLnBrk="0" hangingPunct="1">
+              <a:lnSpc>
+                <a:spcPct val="90000"/>
+              </a:lnSpc>
+              <a:spcBef>
+                <a:spcPts val="1000"/>
+              </a:spcBef>
+              <a:buFont typeface="Arial" panose="020B0604020202020204" pitchFamily="34" charset="0"/>
+              <a:buNone/>
+              <a:defRPr sz="2000" kern="3000" baseline="0">
+                <a:solidFill>
+                  <a:schemeClr val="tx1"/>
+                </a:solidFill>
+                <a:latin typeface="Technika-Bold" panose="00000600000000000000" pitchFamily="50" charset="-18"/>
+                <a:ea typeface="+mn-ea"/>
+                <a:cs typeface="+mn-cs"/>
+              </a:defRPr>
+            </a:lvl1pPr>
+            <a:lvl2pPr marL="685766" indent="-228589" algn="l" defTabSz="914354" rtl="0" eaLnBrk="1" latinLnBrk="0" hangingPunct="1">
+              <a:lnSpc>
+                <a:spcPct val="90000"/>
+              </a:lnSpc>
+              <a:spcBef>
+                <a:spcPts val="500"/>
+              </a:spcBef>
+              <a:buFont typeface="Arial" panose="020B0604020202020204" pitchFamily="34" charset="0"/>
+              <a:buChar char="•"/>
+              <a:defRPr sz="2400" kern="1200">
+                <a:solidFill>
+                  <a:schemeClr val="tx1"/>
+                </a:solidFill>
+                <a:latin typeface="Technika" panose="00000600000000000000" pitchFamily="50" charset="-18"/>
+                <a:ea typeface="+mn-ea"/>
+                <a:cs typeface="+mn-cs"/>
+              </a:defRPr>
+            </a:lvl2pPr>
+            <a:lvl3pPr marL="1142942" indent="-228589" algn="l" defTabSz="914354" rtl="0" eaLnBrk="1" latinLnBrk="0" hangingPunct="1">
+              <a:lnSpc>
+                <a:spcPct val="90000"/>
+              </a:lnSpc>
+              <a:spcBef>
+                <a:spcPts val="500"/>
+              </a:spcBef>
+              <a:buFont typeface="Arial" panose="020B0604020202020204" pitchFamily="34" charset="0"/>
+              <a:buChar char="•"/>
+              <a:defRPr sz="2000" kern="1200">
+                <a:solidFill>
+                  <a:schemeClr val="tx1"/>
+                </a:solidFill>
+                <a:latin typeface="Technika" panose="00000600000000000000" pitchFamily="50" charset="-18"/>
+                <a:ea typeface="+mn-ea"/>
+                <a:cs typeface="+mn-cs"/>
+              </a:defRPr>
+            </a:lvl3pPr>
+            <a:lvl4pPr marL="1600120" indent="-228589" algn="l" defTabSz="914354" rtl="0" eaLnBrk="1" latinLnBrk="0" hangingPunct="1">
+              <a:lnSpc>
+                <a:spcPct val="90000"/>
+              </a:lnSpc>
+              <a:spcBef>
+                <a:spcPts val="500"/>
+              </a:spcBef>
+              <a:buFont typeface="Arial" panose="020B0604020202020204" pitchFamily="34" charset="0"/>
+              <a:buChar char="•"/>
+              <a:defRPr sz="1800" kern="1200">
+                <a:solidFill>
+                  <a:schemeClr val="tx1"/>
+                </a:solidFill>
+                <a:latin typeface="Technika" panose="00000600000000000000" pitchFamily="50" charset="-18"/>
+                <a:ea typeface="+mn-ea"/>
+                <a:cs typeface="+mn-cs"/>
+              </a:defRPr>
+            </a:lvl4pPr>
+            <a:lvl5pPr marL="2057298" indent="-228589" algn="l" defTabSz="914354" rtl="0" eaLnBrk="1" latinLnBrk="0" hangingPunct="1">
+              <a:lnSpc>
+                <a:spcPct val="90000"/>
+              </a:lnSpc>
+              <a:spcBef>
+                <a:spcPts val="500"/>
+              </a:spcBef>
+              <a:buFont typeface="Arial" panose="020B0604020202020204" pitchFamily="34" charset="0"/>
+              <a:buChar char="•"/>
+              <a:defRPr sz="1800" kern="1200">
+                <a:solidFill>
+                  <a:schemeClr val="tx1"/>
+                </a:solidFill>
+                <a:latin typeface="Technika" panose="00000600000000000000" pitchFamily="50" charset="-18"/>
+                <a:ea typeface="+mn-ea"/>
+                <a:cs typeface="+mn-cs"/>
+              </a:defRPr>
+            </a:lvl5pPr>
+            <a:lvl6pPr marL="2514474" indent="-228589" algn="l" defTabSz="914354" rtl="0" eaLnBrk="1" latinLnBrk="0" hangingPunct="1">
+              <a:lnSpc>
+                <a:spcPct val="90000"/>
+              </a:lnSpc>
+              <a:spcBef>
+                <a:spcPts val="500"/>
+              </a:spcBef>
+              <a:buFont typeface="Arial" panose="020B0604020202020204" pitchFamily="34" charset="0"/>
+              <a:buChar char="•"/>
+              <a:defRPr sz="1800" kern="1200">
+                <a:solidFill>
+                  <a:schemeClr val="tx1"/>
+                </a:solidFill>
+                <a:latin typeface="+mn-lt"/>
+                <a:ea typeface="+mn-ea"/>
+                <a:cs typeface="+mn-cs"/>
+              </a:defRPr>
+            </a:lvl6pPr>
+            <a:lvl7pPr marL="2971652" indent="-228589" algn="l" defTabSz="914354" rtl="0" eaLnBrk="1" latinLnBrk="0" hangingPunct="1">
+              <a:lnSpc>
+                <a:spcPct val="90000"/>
+              </a:lnSpc>
+              <a:spcBef>
+                <a:spcPts val="500"/>
+              </a:spcBef>
+              <a:buFont typeface="Arial" panose="020B0604020202020204" pitchFamily="34" charset="0"/>
+              <a:buChar char="•"/>
+              <a:defRPr sz="1800" kern="1200">
+                <a:solidFill>
+                  <a:schemeClr val="tx1"/>
+                </a:solidFill>
+                <a:latin typeface="+mn-lt"/>
+                <a:ea typeface="+mn-ea"/>
+                <a:cs typeface="+mn-cs"/>
+              </a:defRPr>
+            </a:lvl7pPr>
+            <a:lvl8pPr marL="3428829" indent="-228589" algn="l" defTabSz="914354" rtl="0" eaLnBrk="1" latinLnBrk="0" hangingPunct="1">
+              <a:lnSpc>
+                <a:spcPct val="90000"/>
+              </a:lnSpc>
+              <a:spcBef>
+                <a:spcPts val="500"/>
+              </a:spcBef>
+              <a:buFont typeface="Arial" panose="020B0604020202020204" pitchFamily="34" charset="0"/>
+              <a:buChar char="•"/>
+              <a:defRPr sz="1800" kern="1200">
+                <a:solidFill>
+                  <a:schemeClr val="tx1"/>
+                </a:solidFill>
+                <a:latin typeface="+mn-lt"/>
+                <a:ea typeface="+mn-ea"/>
+                <a:cs typeface="+mn-cs"/>
+              </a:defRPr>
+            </a:lvl8pPr>
+            <a:lvl9pPr marL="3886006" indent="-228589" algn="l" defTabSz="914354" rtl="0" eaLnBrk="1" latinLnBrk="0" hangingPunct="1">
+              <a:lnSpc>
+                <a:spcPct val="90000"/>
+              </a:lnSpc>
+              <a:spcBef>
+                <a:spcPts val="500"/>
+              </a:spcBef>
+              <a:buFont typeface="Arial" panose="020B0604020202020204" pitchFamily="34" charset="0"/>
+              <a:buChar char="•"/>
+              <a:defRPr sz="1800" kern="1200">
+                <a:solidFill>
+                  <a:schemeClr val="tx1"/>
+                </a:solidFill>
+                <a:latin typeface="+mn-lt"/>
+                <a:ea typeface="+mn-ea"/>
+                <a:cs typeface="+mn-cs"/>
+              </a:defRPr>
+            </a:lvl9pPr>
+          </a:lstStyle>
+          <a:p>
+            <a:pPr algn="ctr"/>
+            <a:r>
+              <a:rPr lang="cs-CZ" sz="4400" dirty="0"/>
+              <a:t>FMEA – analýza rizik</a:t>
+            </a:r>
+            <a:endParaRPr lang="en-CZ" sz="4400" dirty="0">
+              <a:solidFill>
+                <a:srgbClr val="FF0000"/>
+              </a:solidFill>
+            </a:endParaRPr>
+          </a:p>
+        </p:txBody>
+      </p:sp>
+      <p:sp>
+        <p:nvSpPr>
+          <p:cNvPr id="5" name="Title 4">
+            <a:extLst>
+              <a:ext uri="{FF2B5EF4-FFF2-40B4-BE49-F238E27FC236}">
+                <a16:creationId xmlns:a16="http://schemas.microsoft.com/office/drawing/2014/main" id="{99846E87-5606-8F4B-AF72-1A1BD0E7BD89}"/>
               </a:ext>
             </a:extLst>
           </p:cNvPr>
@@ -15917,21 +16154,12 @@
             <p:ph type="title"/>
           </p:nvPr>
         </p:nvSpPr>
-        <p:spPr>
-          <a:xfrm>
-            <a:off x="2151528" y="195318"/>
-            <a:ext cx="6722471" cy="1087934"/>
-          </a:xfrm>
-        </p:spPr>
+        <p:spPr/>
         <p:txBody>
           <a:bodyPr/>
           <a:lstStyle/>
           <a:p>
-            <a:r>
-              <a:rPr lang="cs-CZ" dirty="0"/>
-              <a:t>FMEA – analýza rizik</a:t>
-            </a:r>
-            <a:endParaRPr lang="en-CZ" dirty="0"/>
+            <a:endParaRPr lang="en-CZ"/>
           </a:p>
         </p:txBody>
       </p:sp>
@@ -22501,14 +22729,14 @@
                     <a:p>
                       <a:pPr algn="ctr" fontAlgn="b"/>
                       <a:r>
-                        <a:rPr lang="en-CZ" sz="700" u="none" strike="noStrike">
+                        <a:rPr lang="en-CZ" sz="700" u="none" strike="noStrike" dirty="0">
                           <a:effectLst/>
                           <a:latin typeface="Times New Roman" panose="02020603050405020304" pitchFamily="18" charset="0"/>
                           <a:cs typeface="Times New Roman" panose="02020603050405020304" pitchFamily="18" charset="0"/>
                         </a:rPr>
                         <a:t>75</a:t>
                       </a:r>
-                      <a:endParaRPr lang="en-CZ" sz="700" b="0" i="0" u="none" strike="noStrike">
+                      <a:endParaRPr lang="en-CZ" sz="700" b="0" i="0" u="none" strike="noStrike" dirty="0">
                         <a:solidFill>
                           <a:srgbClr val="000000"/>
                         </a:solidFill>
